--- a/slides/ecc.pptx
+++ b/slides/ecc.pptx
@@ -7777,7 +7777,7 @@
         <p:spPr>
           <a:xfrm>
             <a:off x="5715000" y="2602468"/>
-            <a:ext cx="2664269" cy="707886"/>
+            <a:ext cx="2480174" cy="707886"/>
           </a:xfrm>
           <a:prstGeom prst="rect">
             <a:avLst/>
@@ -7795,13 +7795,14 @@
               <a:t>Pick random y from </a:t>
             </a:r>
             <a:r>
-              <a:rPr lang="en-US" sz="2000" b="1" dirty="0" smtClean="0"/>
+              <a:rPr lang="en-US" sz="2000" b="1" dirty="0" err="1" smtClean="0"/>
               <a:t>Z</a:t>
             </a:r>
             <a:r>
-              <a:rPr lang="en-US" sz="2000" baseline="-25000" dirty="0" smtClean="0"/>
-              <a:t>|G|</a:t>
-            </a:r>
+              <a:rPr lang="en-US" sz="2000" baseline="-25000" dirty="0" err="1"/>
+              <a:t>q</a:t>
+            </a:r>
+            <a:endParaRPr lang="en-US" sz="2000" baseline="-25000" dirty="0" smtClean="0"/>
           </a:p>
           <a:p>
             <a:r>
@@ -7814,11 +7815,7 @@
             </a:r>
             <a:r>
               <a:rPr lang="en-US" sz="2000" dirty="0" err="1" smtClean="0"/>
-              <a:t>g</a:t>
-            </a:r>
-            <a:r>
-              <a:rPr lang="en-US" sz="2000" baseline="30000" dirty="0" err="1" smtClean="0"/>
-              <a:t>y</a:t>
+              <a:t>yP</a:t>
             </a:r>
             <a:endParaRPr lang="en-US" sz="2000" dirty="0"/>
           </a:p>
